--- a/Review1.pptx
+++ b/Review1.pptx
@@ -5571,12 +5571,8 @@
               <a:buNone/>
             </a:pPr>
             <a:r>
-              <a:rPr lang="en" sz="1600"/>
-              <a:t>4.In </a:t>
-            </a:r>
-            <a:r>
               <a:rPr lang="en" sz="1600" dirty="0"/>
-              <a:t>case of accidents or in case of old people who are unaware of their past records it would help the doctors for diagnosis.</a:t>
+              <a:t>4.In case of accidents or in case of old people who are unaware of their past records it would help the doctors for diagnosis.</a:t>
             </a:r>
           </a:p>
         </p:txBody>
